--- a/Bioinformatics_Project_Goshgar_Ismayilov_Serhat_Iscan.pptx
+++ b/Bioinformatics_Project_Goshgar_Ismayilov_Serhat_Iscan.pptx
@@ -15,8 +15,8 @@
     <p:sldId id="320" r:id="rId6"/>
     <p:sldId id="343" r:id="rId7"/>
     <p:sldId id="339" r:id="rId8"/>
-    <p:sldId id="342" r:id="rId9"/>
-    <p:sldId id="337" r:id="rId10"/>
+    <p:sldId id="337" r:id="rId9"/>
+    <p:sldId id="342" r:id="rId10"/>
     <p:sldId id="341" r:id="rId11"/>
     <p:sldId id="328" r:id="rId12"/>
     <p:sldId id="329" r:id="rId13"/>
@@ -151,7 +151,7 @@
 <file path=ppt/charts/chart1.xml><?xml version="1.0" encoding="utf-8"?>
 <c:chartSpace xmlns:c="http://schemas.openxmlformats.org/drawingml/2006/chart" xmlns:a="http://schemas.openxmlformats.org/drawingml/2006/main" xmlns:r="http://schemas.openxmlformats.org/officeDocument/2006/relationships" xmlns:c16r2="http://schemas.microsoft.com/office/drawing/2015/06/chart">
   <c:date1904 val="0"/>
-  <c:lang val="tr-TR"/>
+  <c:lang val="en-US"/>
   <c:roundedCorners val="0"/>
   <mc:AlternateContent xmlns:mc="http://schemas.openxmlformats.org/markup-compatibility/2006">
     <mc:Choice xmlns:c14="http://schemas.microsoft.com/office/drawing/2007/8/2/chart" Requires="c14">
@@ -188,6 +188,7 @@
           </a:p>
         </c:rich>
       </c:tx>
+      <c:layout/>
       <c:overlay val="0"/>
       <c:spPr>
         <a:noFill/>
@@ -405,6 +406,7 @@
             <c:showLeaderLines val="0"/>
             <c:extLst>
               <c:ext xmlns:c15="http://schemas.microsoft.com/office/drawing/2012/chart" uri="{CE6537A1-D6FC-4f65-9D91-7224C49458BB}">
+                <c15:layout/>
                 <c15:showLeaderLines val="1"/>
                 <c15:leaderLines>
                   <c:spPr>
@@ -641,7 +643,7 @@
 <file path=ppt/charts/chart2.xml><?xml version="1.0" encoding="utf-8"?>
 <c:chartSpace xmlns:c="http://schemas.openxmlformats.org/drawingml/2006/chart" xmlns:a="http://schemas.openxmlformats.org/drawingml/2006/main" xmlns:r="http://schemas.openxmlformats.org/officeDocument/2006/relationships" xmlns:c16r2="http://schemas.microsoft.com/office/drawing/2015/06/chart">
   <c:date1904 val="0"/>
-  <c:lang val="tr-TR"/>
+  <c:lang val="en-US"/>
   <c:roundedCorners val="0"/>
   <mc:AlternateContent xmlns:mc="http://schemas.openxmlformats.org/markup-compatibility/2006">
     <mc:Choice xmlns:c14="http://schemas.microsoft.com/office/drawing/2007/8/2/chart" Requires="c14">
@@ -678,6 +680,7 @@
           </a:p>
         </c:rich>
       </c:tx>
+      <c:layout/>
       <c:overlay val="0"/>
       <c:spPr>
         <a:noFill/>
@@ -895,6 +898,7 @@
             <c:showLeaderLines val="0"/>
             <c:extLst>
               <c:ext xmlns:c15="http://schemas.microsoft.com/office/drawing/2012/chart" uri="{CE6537A1-D6FC-4f65-9D91-7224C49458BB}">
+                <c15:layout/>
                 <c15:showLeaderLines val="1"/>
                 <c15:leaderLines>
                   <c:spPr>
@@ -1130,7 +1134,7 @@
 <file path=ppt/charts/chart3.xml><?xml version="1.0" encoding="utf-8"?>
 <c:chartSpace xmlns:c="http://schemas.openxmlformats.org/drawingml/2006/chart" xmlns:a="http://schemas.openxmlformats.org/drawingml/2006/main" xmlns:r="http://schemas.openxmlformats.org/officeDocument/2006/relationships" xmlns:c16r2="http://schemas.microsoft.com/office/drawing/2015/06/chart">
   <c:date1904 val="0"/>
-  <c:lang val="tr-TR"/>
+  <c:lang val="en-US"/>
   <c:roundedCorners val="0"/>
   <mc:AlternateContent xmlns:mc="http://schemas.openxmlformats.org/markup-compatibility/2006">
     <mc:Choice xmlns:c14="http://schemas.microsoft.com/office/drawing/2007/8/2/chart" Requires="c14">
@@ -1166,6 +1170,7 @@
           </a:p>
         </c:rich>
       </c:tx>
+      <c:layout/>
       <c:overlay val="0"/>
       <c:spPr>
         <a:noFill/>
@@ -1280,6 +1285,7 @@
             <c:showLeaderLines val="0"/>
             <c:extLst>
               <c:ext xmlns:c15="http://schemas.microsoft.com/office/drawing/2012/chart" uri="{CE6537A1-D6FC-4f65-9D91-7224C49458BB}">
+                <c15:layout/>
                 <c15:showLeaderLines val="1"/>
                 <c15:leaderLines>
                   <c:spPr>
@@ -1551,7 +1557,7 @@
 <file path=ppt/charts/chart4.xml><?xml version="1.0" encoding="utf-8"?>
 <c:chartSpace xmlns:c="http://schemas.openxmlformats.org/drawingml/2006/chart" xmlns:a="http://schemas.openxmlformats.org/drawingml/2006/main" xmlns:r="http://schemas.openxmlformats.org/officeDocument/2006/relationships" xmlns:c16r2="http://schemas.microsoft.com/office/drawing/2015/06/chart">
   <c:date1904 val="0"/>
-  <c:lang val="tr-TR"/>
+  <c:lang val="en-US"/>
   <c:roundedCorners val="0"/>
   <mc:AlternateContent xmlns:mc="http://schemas.openxmlformats.org/markup-compatibility/2006">
     <mc:Choice xmlns:c14="http://schemas.microsoft.com/office/drawing/2007/8/2/chart" Requires="c14">
@@ -1587,6 +1593,7 @@
           </a:p>
         </c:rich>
       </c:tx>
+      <c:layout/>
       <c:overlay val="0"/>
       <c:spPr>
         <a:noFill/>
@@ -1701,6 +1708,7 @@
             <c:showLeaderLines val="0"/>
             <c:extLst>
               <c:ext xmlns:c15="http://schemas.microsoft.com/office/drawing/2012/chart" uri="{CE6537A1-D6FC-4f65-9D91-7224C49458BB}">
+                <c15:layout/>
                 <c15:showLeaderLines val="1"/>
                 <c15:leaderLines>
                   <c:spPr>
@@ -1970,7 +1978,7 @@
 <file path=ppt/charts/chart5.xml><?xml version="1.0" encoding="utf-8"?>
 <c:chartSpace xmlns:c="http://schemas.openxmlformats.org/drawingml/2006/chart" xmlns:a="http://schemas.openxmlformats.org/drawingml/2006/main" xmlns:r="http://schemas.openxmlformats.org/officeDocument/2006/relationships" xmlns:c16r2="http://schemas.microsoft.com/office/drawing/2015/06/chart">
   <c:date1904 val="0"/>
-  <c:lang val="tr-TR"/>
+  <c:lang val="en-US"/>
   <c:roundedCorners val="0"/>
   <mc:AlternateContent xmlns:mc="http://schemas.openxmlformats.org/markup-compatibility/2006">
     <mc:Choice xmlns:c14="http://schemas.microsoft.com/office/drawing/2007/8/2/chart" Requires="c14">
@@ -2006,6 +2014,7 @@
           </a:p>
         </c:rich>
       </c:tx>
+      <c:layout/>
       <c:overlay val="0"/>
       <c:spPr>
         <a:noFill/>
@@ -2100,6 +2109,7 @@
             <c:showLeaderLines val="0"/>
             <c:extLst>
               <c:ext xmlns:c15="http://schemas.microsoft.com/office/drawing/2012/chart" uri="{CE6537A1-D6FC-4f65-9D91-7224C49458BB}">
+                <c15:layout/>
                 <c15:showLeaderLines val="1"/>
                 <c15:leaderLines>
                   <c:spPr>
@@ -5241,7 +5251,7 @@
             <a:fld id="{98B2FC7F-16C6-4B5C-8B7F-DAE0D27CA2ED}" type="datetime1">
               <a:rPr lang="tr-TR" smtClean="0"/>
               <a:pPr algn="r" rtl="0"/>
-              <a:t>2019-12-30</a:t>
+              <a:t>31.12.2019</a:t>
             </a:fld>
             <a:endParaRPr lang="tr-TR" dirty="0"/>
           </a:p>
@@ -5411,7 +5421,7 @@
             <a:fld id="{D1CC6C54-1CF4-4AB4-84D8-BA55C737A701}" type="datetime1">
               <a:rPr lang="tr-TR" smtClean="0"/>
               <a:pPr/>
-              <a:t>2019-12-30</a:t>
+              <a:t>31.12.2019</a:t>
             </a:fld>
             <a:endParaRPr lang="tr-TR" dirty="0"/>
           </a:p>
@@ -5783,7 +5793,7 @@
             <a:fld id="{F93199CD-3E1B-4AE6-990F-76F925F5EA9F}" type="slidenum">
               <a:rPr lang="tr-TR" smtClean="0"/>
               <a:pPr/>
-              <a:t>5</a:t>
+              <a:t>6</a:t>
             </a:fld>
             <a:endParaRPr lang="tr-TR" dirty="0"/>
           </a:p>
@@ -6142,7 +6152,7 @@
             <a:fld id="{F6EC1992-B7D4-446A-9702-5AA52CA394F7}" type="datetime1">
               <a:rPr lang="tr-TR" smtClean="0"/>
               <a:pPr/>
-              <a:t>2019-12-30</a:t>
+              <a:t>31.12.2019</a:t>
             </a:fld>
             <a:endParaRPr lang="tr-TR" dirty="0"/>
           </a:p>
@@ -6346,7 +6356,7 @@
             <a:fld id="{947B9D2C-5D32-45C2-A64F-4ABE02DDD7D8}" type="datetime1">
               <a:rPr lang="tr-TR" smtClean="0"/>
               <a:pPr/>
-              <a:t>2019-12-30</a:t>
+              <a:t>31.12.2019</a:t>
             </a:fld>
             <a:endParaRPr lang="tr-TR" dirty="0"/>
           </a:p>
@@ -6547,7 +6557,7 @@
             <a:fld id="{DB91DE08-CA36-4992-BB88-87E0F80E16D6}" type="datetime1">
               <a:rPr lang="tr-TR" noProof="0" smtClean="0"/>
               <a:pPr/>
-              <a:t>2019-12-30</a:t>
+              <a:t>31.12.2019</a:t>
             </a:fld>
             <a:endParaRPr lang="tr-TR" noProof="0" dirty="0"/>
           </a:p>
@@ -6835,7 +6845,7 @@
             <a:fld id="{D010408E-E761-4703-825E-0428F94523D3}" type="datetime1">
               <a:rPr lang="tr-TR" smtClean="0"/>
               <a:pPr/>
-              <a:t>2019-12-30</a:t>
+              <a:t>31.12.2019</a:t>
             </a:fld>
             <a:endParaRPr lang="tr-TR" dirty="0"/>
           </a:p>
@@ -7151,7 +7161,7 @@
             <a:fld id="{FF128077-407A-490D-9679-8EDC13F53386}" type="datetime1">
               <a:rPr lang="tr-TR" smtClean="0"/>
               <a:pPr/>
-              <a:t>2019-12-30</a:t>
+              <a:t>31.12.2019</a:t>
             </a:fld>
             <a:r>
               <a:rPr lang="tr-TR" dirty="0"/>
@@ -7618,7 +7628,7 @@
             <a:fld id="{B9CA931F-4E31-40C0-B258-B7613F666466}" type="datetime1">
               <a:rPr lang="tr-TR" smtClean="0"/>
               <a:pPr/>
-              <a:t>2019-12-30</a:t>
+              <a:t>31.12.2019</a:t>
             </a:fld>
             <a:r>
               <a:rPr lang="tr-TR" dirty="0"/>
@@ -7763,7 +7773,7 @@
             <a:fld id="{F7F7457F-9BFD-468B-9EDA-43BBCA36D012}" type="datetime1">
               <a:rPr lang="tr-TR" smtClean="0"/>
               <a:pPr/>
-              <a:t>2019-12-30</a:t>
+              <a:t>31.12.2019</a:t>
             </a:fld>
             <a:endParaRPr lang="tr-TR" dirty="0"/>
           </a:p>
@@ -7885,7 +7895,7 @@
             <a:fld id="{3326E9EC-CA8E-4278-8EC9-A4841AF97EC5}" type="datetime1">
               <a:rPr lang="tr-TR" smtClean="0"/>
               <a:pPr/>
-              <a:t>2019-12-30</a:t>
+              <a:t>31.12.2019</a:t>
             </a:fld>
             <a:endParaRPr lang="tr-TR" dirty="0"/>
           </a:p>
@@ -8215,7 +8225,7 @@
             <a:fld id="{39D2C89C-8ED0-4ADD-9AD0-A0D712C4D9B8}" type="datetime1">
               <a:rPr lang="tr-TR" smtClean="0"/>
               <a:pPr/>
-              <a:t>2019-12-30</a:t>
+              <a:t>31.12.2019</a:t>
             </a:fld>
             <a:endParaRPr lang="tr-TR" dirty="0"/>
           </a:p>
@@ -8535,7 +8545,7 @@
             <a:fld id="{34E13E90-0161-41A8-890C-F5CAE5A3CE22}" type="datetime1">
               <a:rPr lang="tr-TR" smtClean="0"/>
               <a:pPr/>
-              <a:t>2019-12-30</a:t>
+              <a:t>31.12.2019</a:t>
             </a:fld>
             <a:endParaRPr lang="tr-TR" dirty="0"/>
           </a:p>
@@ -8772,7 +8782,7 @@
             <a:fld id="{5BE26123-25F7-49DA-9DAF-5C8218CD4493}" type="datetime1">
               <a:rPr lang="tr-TR" noProof="0" smtClean="0"/>
               <a:pPr/>
-              <a:t>2019-12-30</a:t>
+              <a:t>31.12.2019</a:t>
             </a:fld>
             <a:endParaRPr lang="tr-TR" noProof="0" dirty="0"/>
           </a:p>
@@ -9424,6 +9434,13 @@
       </p:transition>
     </mc:Fallback>
   </mc:AlternateContent>
+  <p:timing>
+    <p:tnLst>
+      <p:par>
+        <p:cTn id="1" dur="indefinite" restart="never" nodeType="tmRoot"/>
+      </p:par>
+    </p:tnLst>
+  </p:timing>
 </p:sld>
 </file>
 
@@ -9911,6 +9928,13 @@
       </p:transition>
     </mc:Fallback>
   </mc:AlternateContent>
+  <p:timing>
+    <p:tnLst>
+      <p:par>
+        <p:cTn id="1" dur="indefinite" restart="never" nodeType="tmRoot"/>
+      </p:par>
+    </p:tnLst>
+  </p:timing>
 </p:sld>
 </file>
 
@@ -10124,6 +10148,13 @@
       </p:transition>
     </mc:Fallback>
   </mc:AlternateContent>
+  <p:timing>
+    <p:tnLst>
+      <p:par>
+        <p:cTn id="1" dur="indefinite" restart="never" nodeType="tmRoot"/>
+      </p:par>
+    </p:tnLst>
+  </p:timing>
 </p:sld>
 </file>
 
@@ -10358,6 +10389,13 @@
       </p:transition>
     </mc:Fallback>
   </mc:AlternateContent>
+  <p:timing>
+    <p:tnLst>
+      <p:par>
+        <p:cTn id="1" dur="indefinite" restart="never" nodeType="tmRoot"/>
+      </p:par>
+    </p:tnLst>
+  </p:timing>
 </p:sld>
 </file>
 
@@ -11002,6 +11040,13 @@
       </p:transition>
     </mc:Fallback>
   </mc:AlternateContent>
+  <p:timing>
+    <p:tnLst>
+      <p:par>
+        <p:cTn id="1" dur="indefinite" restart="never" nodeType="tmRoot"/>
+      </p:par>
+    </p:tnLst>
+  </p:timing>
 </p:sld>
 </file>
 
@@ -11085,6 +11130,13 @@
       </p:transition>
     </mc:Fallback>
   </mc:AlternateContent>
+  <p:timing>
+    <p:tnLst>
+      <p:par>
+        <p:cTn id="1" dur="indefinite" restart="never" nodeType="tmRoot"/>
+      </p:par>
+    </p:tnLst>
+  </p:timing>
 </p:sld>
 </file>
 
@@ -11572,6 +11624,13 @@
       </p:transition>
     </mc:Fallback>
   </mc:AlternateContent>
+  <p:timing>
+    <p:tnLst>
+      <p:par>
+        <p:cTn id="1" dur="indefinite" restart="never" nodeType="tmRoot"/>
+      </p:par>
+    </p:tnLst>
+  </p:timing>
 </p:sld>
 </file>
 
@@ -11594,132 +11653,6 @@
       </p:grpSpPr>
       <p:sp>
         <p:nvSpPr>
-          <p:cNvPr id="13" name="Başlık 12"/>
-          <p:cNvSpPr>
-            <a:spLocks noGrp="1"/>
-          </p:cNvSpPr>
-          <p:nvPr>
-            <p:ph type="title"/>
-          </p:nvPr>
-        </p:nvSpPr>
-        <p:spPr>
-          <a:xfrm>
-            <a:off x="909837" y="744535"/>
-            <a:ext cx="9684571" cy="815752"/>
-          </a:xfrm>
-          <a:prstGeom prst="rect">
-            <a:avLst/>
-          </a:prstGeom>
-        </p:spPr>
-        <p:txBody>
-          <a:bodyPr rtlCol="0" anchor="b">
-            <a:normAutofit/>
-          </a:bodyPr>
-          <a:lstStyle/>
-          <a:p>
-            <a:pPr rtl="0"/>
-            <a:r>
-              <a:rPr lang="en-US" sz="3600" b="1" dirty="0" err="1">
-                <a:solidFill>
-                  <a:schemeClr val="accent3"/>
-                </a:solidFill>
-                <a:latin typeface="Rockwell" panose="02060603020205020403" pitchFamily="18" charset="0"/>
-              </a:rPr>
-              <a:t>Motivatio</a:t>
-            </a:r>
-            <a:r>
-              <a:rPr lang="tr-TR" sz="3600" b="1" dirty="0">
-                <a:solidFill>
-                  <a:schemeClr val="accent3"/>
-                </a:solidFill>
-                <a:latin typeface="Rockwell" panose="02060603020205020403" pitchFamily="18" charset="0"/>
-              </a:rPr>
-              <a:t>n</a:t>
-            </a:r>
-            <a:endParaRPr lang="en-US" sz="3600" b="1" dirty="0">
-              <a:solidFill>
-                <a:schemeClr val="accent3"/>
-              </a:solidFill>
-              <a:latin typeface="Rockwell" panose="02060603020205020403" pitchFamily="18" charset="0"/>
-            </a:endParaRPr>
-          </a:p>
-        </p:txBody>
-      </p:sp>
-      <p:sp>
-        <p:nvSpPr>
-          <p:cNvPr id="14" name="İçerik Yer Tutucusu 13"/>
-          <p:cNvSpPr>
-            <a:spLocks noGrp="1"/>
-          </p:cNvSpPr>
-          <p:nvPr>
-            <p:ph idx="1"/>
-          </p:nvPr>
-        </p:nvSpPr>
-        <p:spPr>
-          <a:xfrm>
-            <a:off x="909837" y="1632295"/>
-            <a:ext cx="11089232" cy="1872208"/>
-          </a:xfrm>
-          <a:prstGeom prst="rect">
-            <a:avLst/>
-          </a:prstGeom>
-        </p:spPr>
-        <p:txBody>
-          <a:bodyPr rtlCol="0">
-            <a:normAutofit/>
-          </a:bodyPr>
-          <a:lstStyle/>
-          <a:p>
-            <a:r>
-              <a:rPr lang="en-US" dirty="0">
-                <a:latin typeface="Rockwell" panose="02060603020205020403" pitchFamily="18" charset="0"/>
-              </a:rPr>
-              <a:t>G</a:t>
-            </a:r>
-            <a:r>
-              <a:rPr lang="en-US" dirty="0">
-                <a:solidFill>
-                  <a:schemeClr val="tx1"/>
-                </a:solidFill>
-                <a:latin typeface="Rockwell" panose="02060603020205020403" pitchFamily="18" charset="0"/>
-              </a:rPr>
-              <a:t>reatly reducing computational complexity and noise</a:t>
-            </a:r>
-          </a:p>
-          <a:p>
-            <a:pPr rtl="0"/>
-            <a:r>
-              <a:rPr lang="en-US" dirty="0">
-                <a:latin typeface="Rockwell" panose="02060603020205020403" pitchFamily="18" charset="0"/>
-              </a:rPr>
-              <a:t>Bringing down the cost for cancer testing on diagnosis</a:t>
-            </a:r>
-          </a:p>
-          <a:p>
-            <a:pPr rtl="0"/>
-            <a:r>
-              <a:rPr lang="en-US" dirty="0">
-                <a:latin typeface="Rockwell" panose="02060603020205020403" pitchFamily="18" charset="0"/>
-              </a:rPr>
-              <a:t>Bridging</a:t>
-            </a:r>
-            <a:r>
-              <a:rPr lang="en-US" dirty="0">
-                <a:solidFill>
-                  <a:schemeClr val="tx1"/>
-                </a:solidFill>
-                <a:latin typeface="Rockwell" panose="02060603020205020403" pitchFamily="18" charset="0"/>
-              </a:rPr>
-              <a:t> relations between genes and cancer development</a:t>
-            </a:r>
-            <a:endParaRPr lang="tr-TR" dirty="0">
-              <a:latin typeface="Rockwell" panose="02060603020205020403" pitchFamily="18" charset="0"/>
-            </a:endParaRPr>
-          </a:p>
-        </p:txBody>
-      </p:sp>
-      <p:sp>
-        <p:nvSpPr>
           <p:cNvPr id="4" name="Başlık 12">
             <a:extLst>
               <a:ext uri="{FF2B5EF4-FFF2-40B4-BE49-F238E27FC236}">
@@ -11734,8 +11667,8 @@
         </p:nvSpPr>
         <p:spPr>
           <a:xfrm>
-            <a:off x="909836" y="3573016"/>
-            <a:ext cx="9684571" cy="815752"/>
+            <a:off x="909836" y="692696"/>
+            <a:ext cx="9684571" cy="1152128"/>
           </a:xfrm>
           <a:prstGeom prst="rect">
             <a:avLst/>
@@ -11799,8 +11732,8 @@
         </p:nvSpPr>
         <p:spPr>
           <a:xfrm>
-            <a:off x="909836" y="4457281"/>
-            <a:ext cx="11089232" cy="1872208"/>
+            <a:off x="909836" y="2204864"/>
+            <a:ext cx="11089232" cy="4124625"/>
           </a:xfrm>
           <a:prstGeom prst="rect">
             <a:avLst/>
@@ -11808,7 +11741,7 @@
         </p:spPr>
         <p:txBody>
           <a:bodyPr vert="horz" lIns="91440" tIns="45720" rIns="91440" bIns="45720" rtlCol="0">
-            <a:normAutofit fontScale="92500" lnSpcReduction="20000"/>
+            <a:normAutofit/>
           </a:bodyPr>
           <a:lstStyle>
             <a:lvl1pPr marL="223838" indent="-223838" algn="l" defTabSz="914400" rtl="0" eaLnBrk="1" latinLnBrk="0" hangingPunct="1">
@@ -12008,147 +11941,81 @@
               <a:t> </a:t>
             </a:r>
             <a:r>
-              <a:rPr lang="tr-TR" dirty="0" err="1">
-                <a:latin typeface="Rockwell" panose="02060603020205020403" pitchFamily="18" charset="0"/>
-              </a:rPr>
-              <a:t>have</a:t>
-            </a:r>
-            <a:r>
-              <a:rPr lang="tr-TR" dirty="0">
+              <a:rPr lang="tr-TR" dirty="0" smtClean="0">
+                <a:latin typeface="Rockwell" panose="02060603020205020403" pitchFamily="18" charset="0"/>
+              </a:rPr>
+              <a:t>model </a:t>
+            </a:r>
+            <a:r>
+              <a:rPr lang="tr-TR" dirty="0" err="1" smtClean="0">
+                <a:latin typeface="Rockwell" panose="02060603020205020403" pitchFamily="18" charset="0"/>
+              </a:rPr>
+              <a:t>the</a:t>
+            </a:r>
+            <a:r>
+              <a:rPr lang="tr-TR" dirty="0" smtClean="0">
+                <a:latin typeface="Rockwell" panose="02060603020205020403" pitchFamily="18" charset="0"/>
+              </a:rPr>
+              <a:t> gene </a:t>
+            </a:r>
+            <a:r>
+              <a:rPr lang="tr-TR" dirty="0" err="1" smtClean="0">
+                <a:latin typeface="Rockwell" panose="02060603020205020403" pitchFamily="18" charset="0"/>
+              </a:rPr>
+              <a:t>selection</a:t>
+            </a:r>
+            <a:r>
+              <a:rPr lang="tr-TR" dirty="0" smtClean="0">
+                <a:latin typeface="Rockwell" panose="02060603020205020403" pitchFamily="18" charset="0"/>
+              </a:rPr>
+              <a:t> as </a:t>
+            </a:r>
+            <a:r>
+              <a:rPr lang="tr-TR" dirty="0" err="1" smtClean="0">
+                <a:latin typeface="Rockwell" panose="02060603020205020403" pitchFamily="18" charset="0"/>
+              </a:rPr>
+              <a:t>multi-objective</a:t>
+            </a:r>
+            <a:r>
+              <a:rPr lang="tr-TR" dirty="0" smtClean="0">
                 <a:latin typeface="Rockwell" panose="02060603020205020403" pitchFamily="18" charset="0"/>
               </a:rPr>
               <a:t> </a:t>
             </a:r>
             <a:r>
-              <a:rPr lang="tr-TR" dirty="0" err="1">
-                <a:latin typeface="Rockwell" panose="02060603020205020403" pitchFamily="18" charset="0"/>
-              </a:rPr>
-              <a:t>considered</a:t>
-            </a:r>
-            <a:r>
-              <a:rPr lang="tr-TR" dirty="0">
-                <a:latin typeface="Rockwell" panose="02060603020205020403" pitchFamily="18" charset="0"/>
-              </a:rPr>
-              <a:t> </a:t>
-            </a:r>
-            <a:r>
-              <a:rPr lang="tr-TR" dirty="0" err="1">
-                <a:latin typeface="Rockwell" panose="02060603020205020403" pitchFamily="18" charset="0"/>
-              </a:rPr>
-              <a:t>the</a:t>
-            </a:r>
-            <a:r>
-              <a:rPr lang="tr-TR" dirty="0">
-                <a:latin typeface="Rockwell" panose="02060603020205020403" pitchFamily="18" charset="0"/>
-              </a:rPr>
-              <a:t> </a:t>
-            </a:r>
-            <a:r>
-              <a:rPr lang="tr-TR" dirty="0" err="1">
-                <a:latin typeface="Rockwell" panose="02060603020205020403" pitchFamily="18" charset="0"/>
-              </a:rPr>
-              <a:t>multiple</a:t>
-            </a:r>
-            <a:r>
-              <a:rPr lang="tr-TR" dirty="0">
-                <a:latin typeface="Rockwell" panose="02060603020205020403" pitchFamily="18" charset="0"/>
-              </a:rPr>
-              <a:t> </a:t>
-            </a:r>
-            <a:r>
-              <a:rPr lang="tr-TR" dirty="0" err="1">
-                <a:latin typeface="Rockwell" panose="02060603020205020403" pitchFamily="18" charset="0"/>
-              </a:rPr>
-              <a:t>conflicting</a:t>
-            </a:r>
-            <a:r>
-              <a:rPr lang="tr-TR" dirty="0">
-                <a:latin typeface="Rockwell" panose="02060603020205020403" pitchFamily="18" charset="0"/>
-              </a:rPr>
-              <a:t> </a:t>
-            </a:r>
-            <a:r>
-              <a:rPr lang="tr-TR" dirty="0" err="1">
-                <a:latin typeface="Rockwell" panose="02060603020205020403" pitchFamily="18" charset="0"/>
-              </a:rPr>
-              <a:t>objectives</a:t>
-            </a:r>
-            <a:r>
-              <a:rPr lang="tr-TR" dirty="0">
-                <a:latin typeface="Rockwell" panose="02060603020205020403" pitchFamily="18" charset="0"/>
-              </a:rPr>
-              <a:t> </a:t>
-            </a:r>
-            <a:r>
-              <a:rPr lang="tr-TR" dirty="0" err="1">
-                <a:latin typeface="Rockwell" panose="02060603020205020403" pitchFamily="18" charset="0"/>
-              </a:rPr>
-              <a:t>instead</a:t>
-            </a:r>
-            <a:r>
-              <a:rPr lang="tr-TR" dirty="0">
-                <a:latin typeface="Rockwell" panose="02060603020205020403" pitchFamily="18" charset="0"/>
-              </a:rPr>
-              <a:t> of </a:t>
-            </a:r>
-            <a:r>
-              <a:rPr lang="tr-TR" dirty="0" err="1">
-                <a:latin typeface="Rockwell" panose="02060603020205020403" pitchFamily="18" charset="0"/>
-              </a:rPr>
-              <a:t>single</a:t>
-            </a:r>
-            <a:r>
-              <a:rPr lang="tr-TR" dirty="0">
-                <a:latin typeface="Rockwell" panose="02060603020205020403" pitchFamily="18" charset="0"/>
-              </a:rPr>
-              <a:t> </a:t>
-            </a:r>
-            <a:r>
-              <a:rPr lang="tr-TR" dirty="0" err="1">
-                <a:latin typeface="Rockwell" panose="02060603020205020403" pitchFamily="18" charset="0"/>
-              </a:rPr>
-              <a:t>objective</a:t>
-            </a:r>
-            <a:r>
-              <a:rPr lang="tr-TR" dirty="0">
-                <a:latin typeface="Rockwell" panose="02060603020205020403" pitchFamily="18" charset="0"/>
-              </a:rPr>
-              <a:t>.</a:t>
+              <a:rPr lang="tr-TR" dirty="0" err="1" smtClean="0">
+                <a:latin typeface="Rockwell" panose="02060603020205020403" pitchFamily="18" charset="0"/>
+              </a:rPr>
+              <a:t>optimization</a:t>
+            </a:r>
+            <a:r>
+              <a:rPr lang="tr-TR" dirty="0" smtClean="0">
+                <a:latin typeface="Rockwell" panose="02060603020205020403" pitchFamily="18" charset="0"/>
+              </a:rPr>
+              <a:t> problem. </a:t>
             </a:r>
           </a:p>
           <a:p>
             <a:r>
-              <a:rPr lang="tr-TR" dirty="0" err="1">
+              <a:rPr lang="tr-TR" dirty="0" err="1" smtClean="0">
                 <a:latin typeface="Rockwell" panose="02060603020205020403" pitchFamily="18" charset="0"/>
               </a:rPr>
               <a:t>We</a:t>
             </a:r>
             <a:r>
-              <a:rPr lang="tr-TR" dirty="0">
+              <a:rPr lang="tr-TR" dirty="0" smtClean="0">
                 <a:latin typeface="Rockwell" panose="02060603020205020403" pitchFamily="18" charset="0"/>
               </a:rPr>
               <a:t> </a:t>
             </a:r>
             <a:r>
-              <a:rPr lang="tr-TR" dirty="0" err="1">
-                <a:latin typeface="Rockwell" panose="02060603020205020403" pitchFamily="18" charset="0"/>
-              </a:rPr>
-              <a:t>have</a:t>
-            </a:r>
-            <a:r>
-              <a:rPr lang="tr-TR" dirty="0">
-                <a:latin typeface="Rockwell" panose="02060603020205020403" pitchFamily="18" charset="0"/>
-              </a:rPr>
-              <a:t> </a:t>
-            </a:r>
-            <a:r>
-              <a:rPr lang="tr-TR" dirty="0" err="1">
-                <a:latin typeface="Rockwell" panose="02060603020205020403" pitchFamily="18" charset="0"/>
-              </a:rPr>
-              <a:t>applied</a:t>
-            </a:r>
-            <a:r>
-              <a:rPr lang="tr-TR" dirty="0">
+              <a:rPr lang="tr-TR" dirty="0" err="1" smtClean="0">
+                <a:latin typeface="Rockwell" panose="02060603020205020403" pitchFamily="18" charset="0"/>
+              </a:rPr>
+              <a:t>apply</a:t>
+            </a:r>
+            <a:r>
+              <a:rPr lang="tr-TR" dirty="0" smtClean="0">
                 <a:latin typeface="Rockwell" panose="02060603020205020403" pitchFamily="18" charset="0"/>
               </a:rPr>
               <a:t> </a:t>
@@ -12477,8 +12344,139 @@
               <a:rPr lang="tr-TR" dirty="0">
                 <a:latin typeface="Rockwell" panose="02060603020205020403" pitchFamily="18" charset="0"/>
               </a:rPr>
-              <a:t> problem.</a:t>
-            </a:r>
+              <a:t> problem</a:t>
+            </a:r>
+            <a:r>
+              <a:rPr lang="tr-TR" dirty="0" smtClean="0">
+                <a:latin typeface="Rockwell" panose="02060603020205020403" pitchFamily="18" charset="0"/>
+              </a:rPr>
+              <a:t>.</a:t>
+            </a:r>
+          </a:p>
+          <a:p>
+            <a:r>
+              <a:rPr lang="tr-TR" dirty="0" err="1" smtClean="0">
+                <a:latin typeface="Rockwell" panose="02060603020205020403" pitchFamily="18" charset="0"/>
+              </a:rPr>
+              <a:t>We</a:t>
+            </a:r>
+            <a:r>
+              <a:rPr lang="tr-TR" dirty="0" smtClean="0">
+                <a:latin typeface="Rockwell" panose="02060603020205020403" pitchFamily="18" charset="0"/>
+              </a:rPr>
+              <a:t> </a:t>
+            </a:r>
+            <a:r>
+              <a:rPr lang="tr-TR" dirty="0" err="1" smtClean="0">
+                <a:latin typeface="Rockwell" panose="02060603020205020403" pitchFamily="18" charset="0"/>
+              </a:rPr>
+              <a:t>perform</a:t>
+            </a:r>
+            <a:r>
+              <a:rPr lang="tr-TR" dirty="0" smtClean="0">
+                <a:latin typeface="Rockwell" panose="02060603020205020403" pitchFamily="18" charset="0"/>
+              </a:rPr>
+              <a:t> </a:t>
+            </a:r>
+            <a:r>
+              <a:rPr lang="tr-TR" dirty="0" err="1" smtClean="0">
+                <a:latin typeface="Rockwell" panose="02060603020205020403" pitchFamily="18" charset="0"/>
+              </a:rPr>
+              <a:t>experimental</a:t>
+            </a:r>
+            <a:r>
+              <a:rPr lang="tr-TR" dirty="0" smtClean="0">
+                <a:latin typeface="Rockwell" panose="02060603020205020403" pitchFamily="18" charset="0"/>
+              </a:rPr>
+              <a:t> </a:t>
+            </a:r>
+            <a:r>
+              <a:rPr lang="tr-TR" dirty="0" err="1" smtClean="0">
+                <a:latin typeface="Rockwell" panose="02060603020205020403" pitchFamily="18" charset="0"/>
+              </a:rPr>
+              <a:t>study</a:t>
+            </a:r>
+            <a:r>
+              <a:rPr lang="tr-TR" dirty="0" smtClean="0">
+                <a:latin typeface="Rockwell" panose="02060603020205020403" pitchFamily="18" charset="0"/>
+              </a:rPr>
+              <a:t> </a:t>
+            </a:r>
+            <a:r>
+              <a:rPr lang="tr-TR" dirty="0" err="1" smtClean="0">
+                <a:latin typeface="Rockwell" panose="02060603020205020403" pitchFamily="18" charset="0"/>
+              </a:rPr>
+              <a:t>to</a:t>
+            </a:r>
+            <a:r>
+              <a:rPr lang="tr-TR" dirty="0" smtClean="0">
+                <a:latin typeface="Rockwell" panose="02060603020205020403" pitchFamily="18" charset="0"/>
+              </a:rPr>
+              <a:t> </a:t>
+            </a:r>
+            <a:r>
+              <a:rPr lang="tr-TR" dirty="0" err="1" smtClean="0">
+                <a:latin typeface="Rockwell" panose="02060603020205020403" pitchFamily="18" charset="0"/>
+              </a:rPr>
+              <a:t>validate</a:t>
+            </a:r>
+            <a:r>
+              <a:rPr lang="tr-TR" dirty="0" smtClean="0">
+                <a:latin typeface="Rockwell" panose="02060603020205020403" pitchFamily="18" charset="0"/>
+              </a:rPr>
+              <a:t> </a:t>
+            </a:r>
+            <a:r>
+              <a:rPr lang="tr-TR" dirty="0" err="1" smtClean="0">
+                <a:latin typeface="Rockwell" panose="02060603020205020403" pitchFamily="18" charset="0"/>
+              </a:rPr>
+              <a:t>the</a:t>
+            </a:r>
+            <a:r>
+              <a:rPr lang="tr-TR" dirty="0" smtClean="0">
+                <a:latin typeface="Rockwell" panose="02060603020205020403" pitchFamily="18" charset="0"/>
+              </a:rPr>
+              <a:t> </a:t>
+            </a:r>
+            <a:r>
+              <a:rPr lang="tr-TR" dirty="0" err="1" smtClean="0">
+                <a:latin typeface="Rockwell" panose="02060603020205020403" pitchFamily="18" charset="0"/>
+              </a:rPr>
+              <a:t>performance</a:t>
+            </a:r>
+            <a:r>
+              <a:rPr lang="tr-TR" dirty="0" smtClean="0">
+                <a:latin typeface="Rockwell" panose="02060603020205020403" pitchFamily="18" charset="0"/>
+              </a:rPr>
+              <a:t> of </a:t>
+            </a:r>
+            <a:r>
+              <a:rPr lang="tr-TR" dirty="0" err="1" smtClean="0">
+                <a:latin typeface="Rockwell" panose="02060603020205020403" pitchFamily="18" charset="0"/>
+              </a:rPr>
+              <a:t>our</a:t>
+            </a:r>
+            <a:r>
+              <a:rPr lang="tr-TR" dirty="0" smtClean="0">
+                <a:latin typeface="Rockwell" panose="02060603020205020403" pitchFamily="18" charset="0"/>
+              </a:rPr>
+              <a:t> </a:t>
+            </a:r>
+            <a:r>
+              <a:rPr lang="tr-TR" dirty="0" err="1" smtClean="0">
+                <a:latin typeface="Rockwell" panose="02060603020205020403" pitchFamily="18" charset="0"/>
+              </a:rPr>
+              <a:t>method</a:t>
+            </a:r>
+            <a:r>
+              <a:rPr lang="tr-TR" dirty="0" smtClean="0">
+                <a:latin typeface="Rockwell" panose="02060603020205020403" pitchFamily="18" charset="0"/>
+              </a:rPr>
+              <a:t>.</a:t>
+            </a:r>
+            <a:endParaRPr lang="tr-TR" dirty="0">
+              <a:latin typeface="Rockwell" panose="02060603020205020403" pitchFamily="18" charset="0"/>
+            </a:endParaRPr>
           </a:p>
           <a:p>
             <a:pPr marL="0" indent="0">
@@ -12512,6 +12510,13 @@
       </p:transition>
     </mc:Fallback>
   </mc:AlternateContent>
+  <p:timing>
+    <p:tnLst>
+      <p:par>
+        <p:cTn id="1" dur="indefinite" restart="never" nodeType="tmRoot"/>
+      </p:par>
+    </p:tnLst>
+  </p:timing>
 </p:sld>
 </file>
 
@@ -13949,123 +13954,17 @@
       </p:transition>
     </mc:Fallback>
   </mc:AlternateContent>
+  <p:timing>
+    <p:tnLst>
+      <p:par>
+        <p:cTn id="1" dur="indefinite" restart="never" nodeType="tmRoot"/>
+      </p:par>
+    </p:tnLst>
+  </p:timing>
 </p:sld>
 </file>
 
 <file path=ppt/slides/slide5.xml><?xml version="1.0" encoding="utf-8"?>
-<p:sld xmlns:a="http://schemas.openxmlformats.org/drawingml/2006/main" xmlns:r="http://schemas.openxmlformats.org/officeDocument/2006/relationships" xmlns:p="http://schemas.openxmlformats.org/presentationml/2006/main">
-  <p:cSld>
-    <p:spTree>
-      <p:nvGrpSpPr>
-        <p:cNvPr id="1" name=""/>
-        <p:cNvGrpSpPr/>
-        <p:nvPr/>
-      </p:nvGrpSpPr>
-      <p:grpSpPr>
-        <a:xfrm>
-          <a:off x="0" y="0"/>
-          <a:ext cx="0" cy="0"/>
-          <a:chOff x="0" y="0"/>
-          <a:chExt cx="0" cy="0"/>
-        </a:xfrm>
-      </p:grpSpPr>
-      <p:sp>
-        <p:nvSpPr>
-          <p:cNvPr id="13" name="Başlık 12"/>
-          <p:cNvSpPr>
-            <a:spLocks noGrp="1"/>
-          </p:cNvSpPr>
-          <p:nvPr>
-            <p:ph type="title"/>
-          </p:nvPr>
-        </p:nvSpPr>
-        <p:spPr>
-          <a:xfrm>
-            <a:off x="981844" y="381000"/>
-            <a:ext cx="9684571" cy="671736"/>
-          </a:xfrm>
-          <a:prstGeom prst="rect">
-            <a:avLst/>
-          </a:prstGeom>
-        </p:spPr>
-        <p:txBody>
-          <a:bodyPr rtlCol="0" anchor="b">
-            <a:normAutofit/>
-          </a:bodyPr>
-          <a:lstStyle/>
-          <a:p>
-            <a:pPr rtl="0"/>
-            <a:r>
-              <a:rPr lang="tr-TR" b="1" dirty="0">
-                <a:latin typeface="Rockwell" panose="02060603020205020403" pitchFamily="18" charset="0"/>
-              </a:rPr>
-              <a:t>Solution Architecture</a:t>
-            </a:r>
-            <a:endParaRPr lang="en-US" sz="3600" b="1" dirty="0">
-              <a:solidFill>
-                <a:schemeClr val="tx1"/>
-              </a:solidFill>
-              <a:latin typeface="Rockwell" panose="02060603020205020403" pitchFamily="18" charset="0"/>
-            </a:endParaRPr>
-          </a:p>
-        </p:txBody>
-      </p:sp>
-      <p:pic>
-        <p:nvPicPr>
-          <p:cNvPr id="2" name="Resim 1">
-            <a:extLst>
-              <a:ext uri="{FF2B5EF4-FFF2-40B4-BE49-F238E27FC236}">
-                <a16:creationId xmlns:a16="http://schemas.microsoft.com/office/drawing/2014/main" id="{018F0F51-D201-41AD-82F1-CC040F57BE3E}"/>
-              </a:ext>
-            </a:extLst>
-          </p:cNvPr>
-          <p:cNvPicPr>
-            <a:picLocks noChangeAspect="1"/>
-          </p:cNvPicPr>
-          <p:nvPr/>
-        </p:nvPicPr>
-        <p:blipFill>
-          <a:blip r:embed="rId3"/>
-          <a:stretch>
-            <a:fillRect/>
-          </a:stretch>
-        </p:blipFill>
-        <p:spPr>
-          <a:xfrm>
-            <a:off x="2212974" y="1333500"/>
-            <a:ext cx="7762875" cy="5143500"/>
-          </a:xfrm>
-          <a:prstGeom prst="rect">
-            <a:avLst/>
-          </a:prstGeom>
-        </p:spPr>
-      </p:pic>
-    </p:spTree>
-    <p:extLst>
-      <p:ext uri="{BB962C8B-B14F-4D97-AF65-F5344CB8AC3E}">
-        <p14:creationId xmlns:p14="http://schemas.microsoft.com/office/powerpoint/2010/main" val="2851980774"/>
-      </p:ext>
-    </p:extLst>
-  </p:cSld>
-  <p:clrMapOvr>
-    <a:masterClrMapping/>
-  </p:clrMapOvr>
-  <mc:AlternateContent xmlns:mc="http://schemas.openxmlformats.org/markup-compatibility/2006" xmlns:p14="http://schemas.microsoft.com/office/powerpoint/2010/main">
-    <mc:Choice Requires="p14">
-      <p:transition spd="med" p14:dur="700">
-        <p:fade/>
-      </p:transition>
-    </mc:Choice>
-    <mc:Fallback xmlns="">
-      <p:transition spd="med">
-        <p:fade/>
-      </p:transition>
-    </mc:Fallback>
-  </mc:AlternateContent>
-</p:sld>
-</file>
-
-<file path=ppt/slides/slide6.xml><?xml version="1.0" encoding="utf-8"?>
 <p:sld xmlns:a="http://schemas.openxmlformats.org/drawingml/2006/main" xmlns:r="http://schemas.openxmlformats.org/officeDocument/2006/relationships" xmlns:p="http://schemas.openxmlformats.org/presentationml/2006/main">
   <p:cSld>
     <p:spTree>
@@ -14108,16 +14007,10 @@
           <a:lstStyle/>
           <a:p>
             <a:r>
-              <a:rPr lang="tr-TR" b="1" dirty="0" err="1">
-                <a:latin typeface="Rockwell" panose="02060603020205020403" pitchFamily="18" charset="0"/>
-              </a:rPr>
-              <a:t>Feature</a:t>
-            </a:r>
-            <a:r>
-              <a:rPr lang="tr-TR" b="1" dirty="0">
-                <a:latin typeface="Rockwell" panose="02060603020205020403" pitchFamily="18" charset="0"/>
-              </a:rPr>
-              <a:t> </a:t>
+              <a:rPr lang="tr-TR" b="1" dirty="0" smtClean="0">
+                <a:latin typeface="Rockwell" panose="02060603020205020403" pitchFamily="18" charset="0"/>
+              </a:rPr>
+              <a:t>Gene </a:t>
             </a:r>
             <a:r>
               <a:rPr lang="tr-TR" b="1" dirty="0" err="1">
@@ -14854,6 +14747,133 @@
       </p:transition>
     </mc:Fallback>
   </mc:AlternateContent>
+  <p:timing>
+    <p:tnLst>
+      <p:par>
+        <p:cTn id="1" dur="indefinite" restart="never" nodeType="tmRoot"/>
+      </p:par>
+    </p:tnLst>
+  </p:timing>
+</p:sld>
+</file>
+
+<file path=ppt/slides/slide6.xml><?xml version="1.0" encoding="utf-8"?>
+<p:sld xmlns:a="http://schemas.openxmlformats.org/drawingml/2006/main" xmlns:r="http://schemas.openxmlformats.org/officeDocument/2006/relationships" xmlns:p="http://schemas.openxmlformats.org/presentationml/2006/main">
+  <p:cSld>
+    <p:spTree>
+      <p:nvGrpSpPr>
+        <p:cNvPr id="1" name=""/>
+        <p:cNvGrpSpPr/>
+        <p:nvPr/>
+      </p:nvGrpSpPr>
+      <p:grpSpPr>
+        <a:xfrm>
+          <a:off x="0" y="0"/>
+          <a:ext cx="0" cy="0"/>
+          <a:chOff x="0" y="0"/>
+          <a:chExt cx="0" cy="0"/>
+        </a:xfrm>
+      </p:grpSpPr>
+      <p:sp>
+        <p:nvSpPr>
+          <p:cNvPr id="13" name="Başlık 12"/>
+          <p:cNvSpPr>
+            <a:spLocks noGrp="1"/>
+          </p:cNvSpPr>
+          <p:nvPr>
+            <p:ph type="title"/>
+          </p:nvPr>
+        </p:nvSpPr>
+        <p:spPr>
+          <a:xfrm>
+            <a:off x="981844" y="381000"/>
+            <a:ext cx="9684571" cy="671736"/>
+          </a:xfrm>
+          <a:prstGeom prst="rect">
+            <a:avLst/>
+          </a:prstGeom>
+        </p:spPr>
+        <p:txBody>
+          <a:bodyPr rtlCol="0" anchor="b">
+            <a:normAutofit/>
+          </a:bodyPr>
+          <a:lstStyle/>
+          <a:p>
+            <a:pPr rtl="0"/>
+            <a:r>
+              <a:rPr lang="tr-TR" b="1" dirty="0">
+                <a:latin typeface="Rockwell" panose="02060603020205020403" pitchFamily="18" charset="0"/>
+              </a:rPr>
+              <a:t>Solution Architecture</a:t>
+            </a:r>
+            <a:endParaRPr lang="en-US" sz="3600" b="1" dirty="0">
+              <a:solidFill>
+                <a:schemeClr val="tx1"/>
+              </a:solidFill>
+              <a:latin typeface="Rockwell" panose="02060603020205020403" pitchFamily="18" charset="0"/>
+            </a:endParaRPr>
+          </a:p>
+        </p:txBody>
+      </p:sp>
+      <p:pic>
+        <p:nvPicPr>
+          <p:cNvPr id="2" name="Resim 1">
+            <a:extLst>
+              <a:ext uri="{FF2B5EF4-FFF2-40B4-BE49-F238E27FC236}">
+                <a16:creationId xmlns:a16="http://schemas.microsoft.com/office/drawing/2014/main" id="{018F0F51-D201-41AD-82F1-CC040F57BE3E}"/>
+              </a:ext>
+            </a:extLst>
+          </p:cNvPr>
+          <p:cNvPicPr>
+            <a:picLocks noChangeAspect="1"/>
+          </p:cNvPicPr>
+          <p:nvPr/>
+        </p:nvPicPr>
+        <p:blipFill>
+          <a:blip r:embed="rId3"/>
+          <a:stretch>
+            <a:fillRect/>
+          </a:stretch>
+        </p:blipFill>
+        <p:spPr>
+          <a:xfrm>
+            <a:off x="2212974" y="1333500"/>
+            <a:ext cx="7762875" cy="5143500"/>
+          </a:xfrm>
+          <a:prstGeom prst="rect">
+            <a:avLst/>
+          </a:prstGeom>
+        </p:spPr>
+      </p:pic>
+    </p:spTree>
+    <p:extLst>
+      <p:ext uri="{BB962C8B-B14F-4D97-AF65-F5344CB8AC3E}">
+        <p14:creationId xmlns:p14="http://schemas.microsoft.com/office/powerpoint/2010/main" val="2851980774"/>
+      </p:ext>
+    </p:extLst>
+  </p:cSld>
+  <p:clrMapOvr>
+    <a:masterClrMapping/>
+  </p:clrMapOvr>
+  <mc:AlternateContent xmlns:mc="http://schemas.openxmlformats.org/markup-compatibility/2006" xmlns:p14="http://schemas.microsoft.com/office/powerpoint/2010/main">
+    <mc:Choice Requires="p14">
+      <p:transition spd="med" p14:dur="700">
+        <p:fade/>
+      </p:transition>
+    </mc:Choice>
+    <mc:Fallback xmlns="">
+      <p:transition spd="med">
+        <p:fade/>
+      </p:transition>
+    </mc:Fallback>
+  </mc:AlternateContent>
+  <p:timing>
+    <p:tnLst>
+      <p:par>
+        <p:cTn id="1" dur="indefinite" restart="never" nodeType="tmRoot"/>
+      </p:par>
+    </p:tnLst>
+  </p:timing>
 </p:sld>
 </file>
 
@@ -15039,6 +15059,13 @@
       </p:transition>
     </mc:Fallback>
   </mc:AlternateContent>
+  <p:timing>
+    <p:tnLst>
+      <p:par>
+        <p:cTn id="1" dur="indefinite" restart="never" nodeType="tmRoot"/>
+      </p:par>
+    </p:tnLst>
+  </p:timing>
 </p:sld>
 </file>
 
@@ -15375,6 +15402,13 @@
       </p:transition>
     </mc:Fallback>
   </mc:AlternateContent>
+  <p:timing>
+    <p:tnLst>
+      <p:par>
+        <p:cTn id="1" dur="indefinite" restart="never" nodeType="tmRoot"/>
+      </p:par>
+    </p:tnLst>
+  </p:timing>
 </p:sld>
 </file>
 
@@ -16367,6 +16401,13 @@
       </p:transition>
     </mc:Fallback>
   </mc:AlternateContent>
+  <p:timing>
+    <p:tnLst>
+      <p:par>
+        <p:cTn id="1" dur="indefinite" restart="never" nodeType="tmRoot"/>
+      </p:par>
+    </p:tnLst>
+  </p:timing>
 </p:sld>
 </file>
 
@@ -17150,6 +17191,15 @@
 </file>
 
 <file path=customXml/item1.xml><?xml version="1.0" encoding="utf-8"?>
+<?mso-contentType ?>
+<FormTemplates xmlns="http://schemas.microsoft.com/sharepoint/v3/contenttype/forms">
+  <Display>DocumentLibraryForm</Display>
+  <Edit>AssetEditForm</Edit>
+  <New>DocumentLibraryForm</New>
+</FormTemplates>
+</file>
+
+<file path=customXml/item2.xml><?xml version="1.0" encoding="utf-8"?>
 <p:properties xmlns:p="http://schemas.microsoft.com/office/2006/metadata/properties" xmlns:xsi="http://www.w3.org/2001/XMLSchema-instance" xmlns:pc="http://schemas.microsoft.com/office/infopath/2007/PartnerControls">
   <documentManagement>
     <DirectSourceMarket xmlns="4873beb7-5857-4685-be1f-d57550cc96cc" xsi:nil="true"/>
@@ -17274,15 +17324,6 @@
     <LocMarketGroupTiers2 xmlns="4873beb7-5857-4685-be1f-d57550cc96cc" xsi:nil="true"/>
   </documentManagement>
 </p:properties>
-</file>
-
-<file path=customXml/item2.xml><?xml version="1.0" encoding="utf-8"?>
-<?mso-contentType ?>
-<FormTemplates xmlns="http://schemas.microsoft.com/sharepoint/v3/contenttype/forms">
-  <Display>DocumentLibraryForm</Display>
-  <Edit>AssetEditForm</Edit>
-  <New>DocumentLibraryForm</New>
-</FormTemplates>
 </file>
 
 <file path=customXml/item3.xml><?xml version="1.0" encoding="utf-8"?>
@@ -18326,19 +18367,19 @@
 </file>
 
 <file path=customXml/itemProps1.xml><?xml version="1.0" encoding="utf-8"?>
+<ds:datastoreItem xmlns:ds="http://schemas.openxmlformats.org/officeDocument/2006/customXml" ds:itemID="{74228E6B-D70C-44BB-A81F-A245495F612B}">
+  <ds:schemaRefs>
+    <ds:schemaRef ds:uri="http://schemas.microsoft.com/sharepoint/v3/contenttype/forms"/>
+  </ds:schemaRefs>
+</ds:datastoreItem>
+</file>
+
+<file path=customXml/itemProps2.xml><?xml version="1.0" encoding="utf-8"?>
 <ds:datastoreItem xmlns:ds="http://schemas.openxmlformats.org/officeDocument/2006/customXml" ds:itemID="{00E41224-0370-4595-877C-23316CD80004}">
   <ds:schemaRefs>
     <ds:schemaRef ds:uri="http://schemas.microsoft.com/office/2006/metadata/properties"/>
     <ds:schemaRef ds:uri="http://schemas.microsoft.com/office/infopath/2007/PartnerControls"/>
     <ds:schemaRef ds:uri="4873beb7-5857-4685-be1f-d57550cc96cc"/>
-  </ds:schemaRefs>
-</ds:datastoreItem>
-</file>
-
-<file path=customXml/itemProps2.xml><?xml version="1.0" encoding="utf-8"?>
-<ds:datastoreItem xmlns:ds="http://schemas.openxmlformats.org/officeDocument/2006/customXml" ds:itemID="{74228E6B-D70C-44BB-A81F-A245495F612B}">
-  <ds:schemaRefs>
-    <ds:schemaRef ds:uri="http://schemas.microsoft.com/sharepoint/v3/contenttype/forms"/>
   </ds:schemaRefs>
 </ds:datastoreItem>
 </file>
